--- a/document/Code-war_Botordermusic.pptx
+++ b/document/Code-war_Botordermusic.pptx
@@ -20,14 +20,14 @@
   <p:notesSz cx="6858000" cy="9144000"/>
   <p:embeddedFontLst>
     <p:embeddedFont>
-      <p:font typeface="Fira Sans Condensed Medium" panose="020B0604020202020204" charset="0"/>
+      <p:font typeface="Montserrat" panose="00000500000000000000" pitchFamily="2" charset="0"/>
       <p:regular r:id="rId10"/>
       <p:bold r:id="rId11"/>
       <p:italic r:id="rId12"/>
       <p:boldItalic r:id="rId13"/>
     </p:embeddedFont>
     <p:embeddedFont>
-      <p:font typeface="Montserrat" panose="00000500000000000000" pitchFamily="2" charset="0"/>
+      <p:font typeface="Fira Sans Condensed Medium" panose="020B0604020202020204" charset="0"/>
       <p:regular r:id="rId14"/>
       <p:bold r:id="rId15"/>
       <p:italic r:id="rId16"/>
@@ -7562,7 +7562,7 @@
       </p:sp>
       <p:pic>
         <p:nvPicPr>
-          <p:cNvPr id="2" name="Picture 1"/>
+          <p:cNvPr id="3" name="Picture 2"/>
           <p:cNvPicPr>
             <a:picLocks noChangeAspect="1"/>
           </p:cNvPicPr>
@@ -7582,8 +7582,8 @@
         </p:blipFill>
         <p:spPr>
           <a:xfrm>
-            <a:off x="1768730" y="2198952"/>
-            <a:ext cx="5352911" cy="2606654"/>
+            <a:off x="1184924" y="2585389"/>
+            <a:ext cx="7058025" cy="1647825"/>
           </a:xfrm>
           <a:prstGeom prst="rect">
             <a:avLst/>
@@ -7762,7 +7762,7 @@
         </p:nvSpPr>
         <p:spPr>
           <a:xfrm>
-            <a:off x="784922" y="1412035"/>
+            <a:off x="732775" y="1618943"/>
             <a:ext cx="7526396" cy="3097899"/>
           </a:xfrm>
         </p:spPr>
@@ -7771,156 +7771,187 @@
           <a:lstStyle/>
           <a:p>
             <a:pPr marL="400050" indent="-285750">
+              <a:lnSpc>
+                <a:spcPct val="150000"/>
+              </a:lnSpc>
               <a:buFontTx/>
               <a:buChar char="-"/>
             </a:pPr>
             <a:r>
-              <a:rPr lang="en-US" dirty="0" err="1" smtClean="0"/>
+              <a:rPr lang="en-US" dirty="0" err="1" smtClean="0">
+                <a:solidFill>
+                  <a:schemeClr val="tx1"/>
+                </a:solidFill>
+              </a:rPr>
               <a:t>Nodejs</a:t>
             </a:r>
             <a:r>
-              <a:rPr lang="en-US" dirty="0" smtClean="0"/>
+              <a:rPr lang="en-US" dirty="0" smtClean="0">
+                <a:solidFill>
+                  <a:schemeClr val="tx1"/>
+                </a:solidFill>
+              </a:rPr>
               <a:t>: </a:t>
             </a:r>
             <a:r>
-              <a:rPr lang="en-US" dirty="0" err="1" smtClean="0"/>
+              <a:rPr lang="en-US" dirty="0" err="1" smtClean="0">
+                <a:solidFill>
+                  <a:schemeClr val="tx1"/>
+                </a:solidFill>
+              </a:rPr>
               <a:t>Xây</a:t>
             </a:r>
             <a:r>
-              <a:rPr lang="en-US" dirty="0" smtClean="0"/>
+              <a:rPr lang="en-US" dirty="0" smtClean="0">
+                <a:solidFill>
+                  <a:schemeClr val="tx1"/>
+                </a:solidFill>
+              </a:rPr>
               <a:t> </a:t>
             </a:r>
             <a:r>
-              <a:rPr lang="en-US" dirty="0" err="1" smtClean="0"/>
+              <a:rPr lang="en-US" dirty="0" err="1" smtClean="0">
+                <a:solidFill>
+                  <a:schemeClr val="tx1"/>
+                </a:solidFill>
+              </a:rPr>
               <a:t>dựng</a:t>
             </a:r>
             <a:r>
-              <a:rPr lang="en-US" dirty="0" smtClean="0"/>
+              <a:rPr lang="en-US" dirty="0" smtClean="0">
+                <a:solidFill>
+                  <a:schemeClr val="tx1"/>
+                </a:solidFill>
+              </a:rPr>
               <a:t> bot và server stream audio</a:t>
             </a:r>
           </a:p>
           <a:p>
             <a:pPr marL="400050" indent="-285750">
+              <a:lnSpc>
+                <a:spcPct val="150000"/>
+              </a:lnSpc>
               <a:buFontTx/>
               <a:buChar char="-"/>
             </a:pPr>
             <a:r>
-              <a:rPr lang="en-US" dirty="0" err="1" smtClean="0"/>
-              <a:t>Websocket</a:t>
-            </a:r>
-            <a:r>
-              <a:rPr lang="en-US" dirty="0" smtClean="0"/>
-              <a:t>: </a:t>
-            </a:r>
-            <a:r>
-              <a:rPr lang="en-US" dirty="0" err="1" smtClean="0"/>
-              <a:t>phát</a:t>
-            </a:r>
-            <a:r>
-              <a:rPr lang="en-US" dirty="0" smtClean="0"/>
+              <a:rPr lang="en-US" dirty="0" smtClean="0">
+                <a:solidFill>
+                  <a:schemeClr val="tx1"/>
+                </a:solidFill>
+              </a:rPr>
+              <a:t>Firebase: </a:t>
+            </a:r>
+            <a:r>
+              <a:rPr lang="en-US" dirty="0" err="1" smtClean="0">
+                <a:solidFill>
+                  <a:schemeClr val="tx1"/>
+                </a:solidFill>
+              </a:rPr>
+              <a:t>lưu</a:t>
+            </a:r>
+            <a:r>
+              <a:rPr lang="en-US" dirty="0" smtClean="0">
+                <a:solidFill>
+                  <a:schemeClr val="tx1"/>
+                </a:solidFill>
+              </a:rPr>
+              <a:t> và </a:t>
+            </a:r>
+            <a:r>
+              <a:rPr lang="en-US" dirty="0" err="1" smtClean="0">
+                <a:solidFill>
+                  <a:schemeClr val="tx1"/>
+                </a:solidFill>
+              </a:rPr>
+              <a:t>lấy</a:t>
+            </a:r>
+            <a:r>
+              <a:rPr lang="en-US" dirty="0" smtClean="0">
+                <a:solidFill>
+                  <a:schemeClr val="tx1"/>
+                </a:solidFill>
+              </a:rPr>
               <a:t> </a:t>
             </a:r>
             <a:r>
-              <a:rPr lang="en-US" dirty="0" err="1" smtClean="0"/>
-              <a:t>nhạc</a:t>
-            </a:r>
-            <a:r>
-              <a:rPr lang="en-US" dirty="0" smtClean="0"/>
-              <a:t> qua </a:t>
-            </a:r>
-            <a:r>
-              <a:rPr lang="en-US" dirty="0" err="1" smtClean="0"/>
-              <a:t>kênh</a:t>
-            </a:r>
-            <a:r>
-              <a:rPr lang="en-US" dirty="0" smtClean="0"/>
-              <a:t> stream real time </a:t>
-            </a:r>
-            <a:r>
-              <a:rPr lang="en-US" dirty="0" err="1" smtClean="0"/>
-              <a:t>khi</a:t>
-            </a:r>
-            <a:r>
-              <a:rPr lang="en-US" dirty="0" smtClean="0"/>
-              <a:t> có </a:t>
-            </a:r>
-            <a:r>
-              <a:rPr lang="en-US" dirty="0" err="1" smtClean="0"/>
-              <a:t>tươn</a:t>
-            </a:r>
-            <a:r>
-              <a:rPr lang="en-US" dirty="0" smtClean="0"/>
-              <a:t> </a:t>
-            </a:r>
-            <a:r>
-              <a:rPr lang="en-US" dirty="0" err="1" smtClean="0"/>
-              <a:t>tác</a:t>
-            </a:r>
-            <a:r>
-              <a:rPr lang="en-US" dirty="0" smtClean="0"/>
-              <a:t> lệnh </a:t>
-            </a:r>
-            <a:r>
-              <a:rPr lang="en-US" dirty="0" err="1" smtClean="0"/>
-              <a:t>từ</a:t>
-            </a:r>
-            <a:r>
-              <a:rPr lang="en-US" dirty="0" smtClean="0"/>
-              <a:t> bot</a:t>
+              <a:rPr lang="en-US" dirty="0">
+                <a:solidFill>
+                  <a:schemeClr val="tx1"/>
+                </a:solidFill>
+              </a:rPr>
+              <a:t>playlist </a:t>
+            </a:r>
+            <a:r>
+              <a:rPr lang="en-US" dirty="0" err="1" smtClean="0">
+                <a:solidFill>
+                  <a:schemeClr val="tx1"/>
+                </a:solidFill>
+              </a:rPr>
+              <a:t>realtime</a:t>
+            </a:r>
+            <a:r>
+              <a:rPr lang="en-US" dirty="0" smtClean="0">
+                <a:solidFill>
+                  <a:schemeClr val="tx1"/>
+                </a:solidFill>
+              </a:rPr>
+              <a:t>.</a:t>
             </a:r>
           </a:p>
           <a:p>
             <a:pPr marL="400050" indent="-285750">
+              <a:lnSpc>
+                <a:spcPct val="150000"/>
+              </a:lnSpc>
               <a:buFontTx/>
               <a:buChar char="-"/>
             </a:pPr>
             <a:r>
-              <a:rPr lang="en-US" dirty="0" smtClean="0"/>
-              <a:t>F</a:t>
-            </a:r>
-            <a:r>
-              <a:rPr lang="en-US" dirty="0" smtClean="0"/>
-              <a:t>irebase: </a:t>
-            </a:r>
-            <a:r>
-              <a:rPr lang="en-US" dirty="0" err="1" smtClean="0"/>
-              <a:t>lưu</a:t>
-            </a:r>
-            <a:r>
-              <a:rPr lang="en-US" dirty="0" smtClean="0"/>
-              <a:t> playlist.</a:t>
-            </a:r>
-          </a:p>
-          <a:p>
-            <a:pPr marL="400050" indent="-285750">
-              <a:buFontTx/>
-              <a:buChar char="-"/>
-            </a:pPr>
-            <a:r>
-              <a:rPr lang="en-US" dirty="0" err="1" smtClean="0"/>
-              <a:t>A</a:t>
-            </a:r>
-            <a:r>
-              <a:rPr lang="en-US" dirty="0" err="1" smtClean="0"/>
-              <a:t>pi</a:t>
-            </a:r>
-            <a:r>
-              <a:rPr lang="en-US" dirty="0" smtClean="0"/>
+              <a:rPr lang="en-US" dirty="0" err="1" smtClean="0">
+                <a:solidFill>
+                  <a:schemeClr val="tx1"/>
+                </a:solidFill>
+              </a:rPr>
+              <a:t>Api</a:t>
+            </a:r>
+            <a:r>
+              <a:rPr lang="en-US" dirty="0" smtClean="0">
+                <a:solidFill>
+                  <a:schemeClr val="tx1"/>
+                </a:solidFill>
+              </a:rPr>
               <a:t> và </a:t>
             </a:r>
             <a:r>
-              <a:rPr lang="en-US" dirty="0" err="1" smtClean="0"/>
+              <a:rPr lang="en-US" dirty="0" err="1" smtClean="0">
+                <a:solidFill>
+                  <a:schemeClr val="tx1"/>
+                </a:solidFill>
+              </a:rPr>
               <a:t>sdk</a:t>
             </a:r>
             <a:r>
-              <a:rPr lang="en-US" dirty="0" smtClean="0"/>
+              <a:rPr lang="en-US" dirty="0" smtClean="0">
+                <a:solidFill>
+                  <a:schemeClr val="tx1"/>
+                </a:solidFill>
+              </a:rPr>
               <a:t> của </a:t>
             </a:r>
             <a:r>
-              <a:rPr lang="en-US" dirty="0" err="1"/>
+              <a:rPr lang="en-US" dirty="0" err="1">
+                <a:solidFill>
+                  <a:schemeClr val="tx1"/>
+                </a:solidFill>
+              </a:rPr>
               <a:t>rocketchat</a:t>
             </a:r>
-            <a:endParaRPr lang="en-US" dirty="0"/>
+            <a:endParaRPr lang="en-US" dirty="0">
+              <a:solidFill>
+                <a:schemeClr val="tx1"/>
+              </a:solidFill>
+            </a:endParaRPr>
           </a:p>
         </p:txBody>
       </p:sp>
@@ -7949,11 +7980,19 @@
             </a:r>
             <a:r>
               <a:rPr lang="en-US" sz="2000" dirty="0"/>
-              <a:t> </a:t>
+              <a:t> công </a:t>
             </a:r>
             <a:r>
               <a:rPr lang="en-US" sz="2000" dirty="0" err="1"/>
-              <a:t>công</a:t>
+              <a:t>nghệ</a:t>
+            </a:r>
+            <a:r>
+              <a:rPr lang="en-US" sz="2000" dirty="0"/>
+              <a:t>, </a:t>
+            </a:r>
+            <a:r>
+              <a:rPr lang="en-US" sz="2000" dirty="0" err="1"/>
+              <a:t>dịch</a:t>
             </a:r>
             <a:r>
               <a:rPr lang="en-US" sz="2000" dirty="0"/>
@@ -7961,15 +8000,7 @@
             </a:r>
             <a:r>
               <a:rPr lang="en-US" sz="2000" dirty="0" err="1"/>
-              <a:t>nghệ</a:t>
-            </a:r>
-            <a:r>
-              <a:rPr lang="en-US" sz="2000" dirty="0"/>
-              <a:t>, </a:t>
-            </a:r>
-            <a:r>
-              <a:rPr lang="en-US" sz="2000" dirty="0" err="1"/>
-              <a:t>dịch</a:t>
+              <a:t>vụ</a:t>
             </a:r>
             <a:r>
               <a:rPr lang="en-US" sz="2000" dirty="0"/>
@@ -7977,19 +8008,19 @@
             </a:r>
             <a:r>
               <a:rPr lang="en-US" sz="2000" dirty="0" err="1"/>
-              <a:t>vụ</a:t>
+              <a:t>sử</a:t>
             </a:r>
             <a:r>
               <a:rPr lang="en-US" sz="2000" dirty="0"/>
               <a:t> </a:t>
             </a:r>
             <a:r>
-              <a:rPr lang="en-US" sz="2000" dirty="0" err="1"/>
-              <a:t>sử</a:t>
+              <a:rPr lang="en-US" sz="2000" dirty="0" smtClean="0"/>
+              <a:t>dụng</a:t>
             </a:r>
             <a:r>
               <a:rPr lang="en-US" sz="2000" dirty="0"/>
-              <a:t> dung:</a:t>
+              <a:t>:</a:t>
             </a:r>
           </a:p>
         </p:txBody>
@@ -8261,55 +8292,6 @@
                       </p:childTnLst>
                     </p:cTn>
                   </p:par>
-                  <p:par>
-                    <p:cTn id="22" fill="hold">
-                      <p:stCondLst>
-                        <p:cond delay="indefinite"/>
-                      </p:stCondLst>
-                      <p:childTnLst>
-                        <p:par>
-                          <p:cTn id="23" fill="hold">
-                            <p:stCondLst>
-                              <p:cond delay="0"/>
-                            </p:stCondLst>
-                            <p:childTnLst>
-                              <p:par>
-                                <p:cTn id="24" presetID="1" presetClass="entr" presetSubtype="0" fill="hold" nodeType="clickEffect">
-                                  <p:stCondLst>
-                                    <p:cond delay="0"/>
-                                  </p:stCondLst>
-                                  <p:childTnLst>
-                                    <p:set>
-                                      <p:cBhvr>
-                                        <p:cTn id="25" dur="1" fill="hold">
-                                          <p:stCondLst>
-                                            <p:cond delay="0"/>
-                                          </p:stCondLst>
-                                        </p:cTn>
-                                        <p:tgtEl>
-                                          <p:spTgt spid="3">
-                                            <p:txEl>
-                                              <p:pRg st="3" end="3"/>
-                                            </p:txEl>
-                                          </p:spTgt>
-                                        </p:tgtEl>
-                                        <p:attrNameLst>
-                                          <p:attrName>style.visibility</p:attrName>
-                                        </p:attrNameLst>
-                                      </p:cBhvr>
-                                      <p:to>
-                                        <p:strVal val="visible"/>
-                                      </p:to>
-                                    </p:set>
-                                  </p:childTnLst>
-                                </p:cTn>
-                              </p:par>
-                            </p:childTnLst>
-                          </p:cTn>
-                        </p:par>
-                      </p:childTnLst>
-                    </p:cTn>
-                  </p:par>
                 </p:childTnLst>
               </p:cTn>
               <p:prevCondLst>
@@ -8371,47 +8353,47 @@
           <a:lstStyle/>
           <a:p>
             <a:r>
-              <a:rPr lang="en-US" dirty="0"/>
+              <a:rPr lang="en-US" sz="2000" dirty="0"/>
               <a:t>3. </a:t>
             </a:r>
             <a:r>
-              <a:rPr lang="en-US" dirty="0" err="1"/>
+              <a:rPr lang="en-US" sz="2000" dirty="0" err="1"/>
               <a:t>Giới</a:t>
             </a:r>
             <a:r>
-              <a:rPr lang="en-US" dirty="0"/>
+              <a:rPr lang="en-US" sz="2000" dirty="0"/>
               <a:t> </a:t>
             </a:r>
             <a:r>
-              <a:rPr lang="en-US" dirty="0" err="1"/>
+              <a:rPr lang="en-US" sz="2000" dirty="0" err="1"/>
               <a:t>thiệu</a:t>
             </a:r>
             <a:r>
-              <a:rPr lang="en-US" dirty="0"/>
+              <a:rPr lang="en-US" sz="2000" dirty="0"/>
               <a:t> chi </a:t>
             </a:r>
             <a:r>
-              <a:rPr lang="en-US" dirty="0" err="1"/>
+              <a:rPr lang="en-US" sz="2000" dirty="0" err="1"/>
               <a:t>tiết</a:t>
             </a:r>
             <a:r>
-              <a:rPr lang="en-US" dirty="0"/>
+              <a:rPr lang="en-US" sz="2000" dirty="0"/>
               <a:t> </a:t>
             </a:r>
             <a:r>
-              <a:rPr lang="en-US" dirty="0" err="1"/>
+              <a:rPr lang="en-US" sz="2000" dirty="0" err="1"/>
               <a:t>chức</a:t>
             </a:r>
             <a:r>
-              <a:rPr lang="en-US" dirty="0"/>
+              <a:rPr lang="en-US" sz="2000" dirty="0"/>
               <a:t> </a:t>
             </a:r>
             <a:r>
-              <a:rPr lang="en-US" dirty="0" err="1"/>
+              <a:rPr lang="en-US" sz="2000" dirty="0" err="1"/>
               <a:t>năng</a:t>
             </a:r>
             <a:r>
-              <a:rPr lang="en-US" dirty="0"/>
+              <a:rPr lang="en-US" sz="2000" dirty="0"/>
               <a:t>: </a:t>
             </a:r>
           </a:p>
@@ -9476,9 +9458,6 @@
               </a:rPr>
               <a:t> order </a:t>
             </a:r>
-            <a:endParaRPr lang="en-US" dirty="0">
-              <a:latin typeface="Montserrat" panose="00000500000000000000" pitchFamily="2" charset="0"/>
-            </a:endParaRPr>
           </a:p>
         </p:txBody>
       </p:sp>
@@ -9779,13 +9758,7 @@
               <a:rPr lang="en-SG" dirty="0" err="1" smtClean="0">
                 <a:latin typeface="Montserrat" panose="00000500000000000000" pitchFamily="2" charset="0"/>
               </a:rPr>
-              <a:t>tươn</a:t>
-            </a:r>
-            <a:r>
-              <a:rPr lang="en-SG" dirty="0" err="1" smtClean="0">
-                <a:latin typeface="Montserrat" panose="00000500000000000000" pitchFamily="2" charset="0"/>
-              </a:rPr>
-              <a:t>g</a:t>
+              <a:t>tương</a:t>
             </a:r>
             <a:r>
               <a:rPr lang="en-SG" dirty="0" smtClean="0">
